--- a/Presentacion expertos.pptx
+++ b/Presentacion expertos.pptx
@@ -7,6 +7,11 @@
   <p:sldIdLst>
     <p:sldId id="256" r:id="rId2"/>
     <p:sldId id="257" r:id="rId3"/>
+    <p:sldId id="258" r:id="rId4"/>
+    <p:sldId id="260" r:id="rId5"/>
+    <p:sldId id="261" r:id="rId6"/>
+    <p:sldId id="262" r:id="rId7"/>
+    <p:sldId id="263" r:id="rId8"/>
   </p:sldIdLst>
   <p:sldSz cx="12192000" cy="6858000"/>
   <p:notesSz cx="6858000" cy="9144000"/>
@@ -6143,19 +6148,576 @@
             <p:ph idx="1"/>
           </p:nvPr>
         </p:nvSpPr>
-        <p:spPr/>
+        <p:spPr>
+          <a:xfrm>
+            <a:off x="523763" y="1537763"/>
+            <a:ext cx="8946541" cy="4195481"/>
+          </a:xfrm>
+        </p:spPr>
         <p:txBody>
           <a:bodyPr/>
           <a:lstStyle/>
           <a:p>
+            <a:r>
+              <a:rPr lang="es-MX" dirty="0" smtClean="0"/>
+              <a:t>El sistema experto le preguntara sobre varios síntomas relacionados con la falla que esta experimentado el equipo del usuario.  Y en base a la información obtenida le hará sugerencias sobre cual puede ser el problema y que puede intentar para solucionarlo. </a:t>
+            </a:r>
+          </a:p>
+          <a:p>
             <a:endParaRPr lang="es-MX" dirty="0"/>
           </a:p>
-        </p:txBody>
-      </p:sp>
+          <a:p>
+            <a:r>
+              <a:rPr lang="es-MX" dirty="0" smtClean="0"/>
+              <a:t>El sistema experto solo asiste en la resolución de problemas de hardware en el quipo. Sin embargo, es muy útil para usuarios que no tienen mucha experiencia reparando computadoras y que desean aprender a hacerlo por su propia cuenta.</a:t>
+            </a:r>
+          </a:p>
+        </p:txBody>
+      </p:sp>
+      <p:pic>
+        <p:nvPicPr>
+          <p:cNvPr id="2050" name="Picture 2" descr="https://entretenimientojm.files.wordpress.com/2013/11/problemas-con-tu-ordenador-gif.png"/>
+          <p:cNvPicPr>
+            <a:picLocks noChangeAspect="1" noChangeArrowheads="1"/>
+          </p:cNvPicPr>
+          <p:nvPr/>
+        </p:nvPicPr>
+        <p:blipFill>
+          <a:blip r:embed="rId2">
+            <a:extLst>
+              <a:ext uri="{28A0092B-C50C-407E-A947-70E740481C1C}">
+                <a14:useLocalDpi xmlns:a14="http://schemas.microsoft.com/office/drawing/2010/main" val="0"/>
+              </a:ext>
+            </a:extLst>
+          </a:blip>
+          <a:srcRect/>
+          <a:stretch>
+            <a:fillRect/>
+          </a:stretch>
+        </p:blipFill>
+        <p:spPr bwMode="auto">
+          <a:xfrm>
+            <a:off x="8372296" y="4352883"/>
+            <a:ext cx="3579299" cy="2387854"/>
+          </a:xfrm>
+          <a:prstGeom prst="rect">
+            <a:avLst/>
+          </a:prstGeom>
+          <a:noFill/>
+          <a:extLst>
+            <a:ext uri="{909E8E84-426E-40DD-AFC4-6F175D3DCCD1}">
+              <a14:hiddenFill xmlns:a14="http://schemas.microsoft.com/office/drawing/2010/main">
+                <a:solidFill>
+                  <a:srgbClr val="FFFFFF"/>
+                </a:solidFill>
+              </a14:hiddenFill>
+            </a:ext>
+          </a:extLst>
+        </p:spPr>
+      </p:pic>
     </p:spTree>
     <p:extLst>
       <p:ext uri="{BB962C8B-B14F-4D97-AF65-F5344CB8AC3E}">
         <p14:creationId xmlns:p14="http://schemas.microsoft.com/office/powerpoint/2010/main" val="2586039666"/>
+      </p:ext>
+    </p:extLst>
+  </p:cSld>
+  <p:clrMapOvr>
+    <a:masterClrMapping/>
+  </p:clrMapOvr>
+  <p:timing>
+    <p:tnLst>
+      <p:par>
+        <p:cTn id="1" dur="indefinite" restart="never" nodeType="tmRoot"/>
+      </p:par>
+    </p:tnLst>
+  </p:timing>
+</p:sld>
+</file>
+
+<file path=ppt/slides/slide3.xml><?xml version="1.0" encoding="utf-8"?>
+<p:sld xmlns:a="http://schemas.openxmlformats.org/drawingml/2006/main" xmlns:r="http://schemas.openxmlformats.org/officeDocument/2006/relationships" xmlns:p="http://schemas.openxmlformats.org/presentationml/2006/main">
+  <p:cSld>
+    <p:spTree>
+      <p:nvGrpSpPr>
+        <p:cNvPr id="1" name=""/>
+        <p:cNvGrpSpPr/>
+        <p:nvPr/>
+      </p:nvGrpSpPr>
+      <p:grpSpPr>
+        <a:xfrm>
+          <a:off x="0" y="0"/>
+          <a:ext cx="0" cy="0"/>
+          <a:chOff x="0" y="0"/>
+          <a:chExt cx="0" cy="0"/>
+        </a:xfrm>
+      </p:grpSpPr>
+      <p:sp>
+        <p:nvSpPr>
+          <p:cNvPr id="2" name="Título 1"/>
+          <p:cNvSpPr>
+            <a:spLocks noGrp="1"/>
+          </p:cNvSpPr>
+          <p:nvPr>
+            <p:ph type="title"/>
+          </p:nvPr>
+        </p:nvSpPr>
+        <p:spPr/>
+        <p:txBody>
+          <a:bodyPr/>
+          <a:lstStyle/>
+          <a:p>
+            <a:r>
+              <a:rPr lang="es-MX" dirty="0" smtClean="0"/>
+              <a:t>¿Qué tipo de problemas soluciona?</a:t>
+            </a:r>
+            <a:endParaRPr lang="es-MX" dirty="0"/>
+          </a:p>
+        </p:txBody>
+      </p:sp>
+      <p:sp>
+        <p:nvSpPr>
+          <p:cNvPr id="3" name="Marcador de contenido 2"/>
+          <p:cNvSpPr>
+            <a:spLocks noGrp="1"/>
+          </p:cNvSpPr>
+          <p:nvPr>
+            <p:ph idx="1"/>
+          </p:nvPr>
+        </p:nvSpPr>
+        <p:spPr/>
+        <p:txBody>
+          <a:bodyPr>
+            <a:normAutofit/>
+          </a:bodyPr>
+          <a:lstStyle/>
+          <a:p>
+            <a:r>
+              <a:rPr lang="es-MX" dirty="0" smtClean="0"/>
+              <a:t>Como ya habíamos mencionado anteriormente solo trata fallas de hardware, dentro de las cuales están incluidas:</a:t>
+            </a:r>
+          </a:p>
+          <a:p>
+            <a:pPr marL="0" indent="0">
+              <a:buNone/>
+            </a:pPr>
+            <a:endParaRPr lang="es-MX" dirty="0" smtClean="0"/>
+          </a:p>
+          <a:p>
+            <a:r>
+              <a:rPr lang="es-MX" dirty="0" smtClean="0"/>
+              <a:t>RAM.</a:t>
+            </a:r>
+          </a:p>
+          <a:p>
+            <a:r>
+              <a:rPr lang="es-MX" dirty="0" smtClean="0"/>
+              <a:t>HDD.</a:t>
+            </a:r>
+          </a:p>
+          <a:p>
+            <a:r>
+              <a:rPr lang="es-MX" dirty="0" smtClean="0"/>
+              <a:t>GPU.</a:t>
+            </a:r>
+          </a:p>
+          <a:p>
+            <a:r>
+              <a:rPr lang="es-MX" dirty="0" smtClean="0"/>
+              <a:t>Batería RTC.</a:t>
+            </a:r>
+            <a:endParaRPr lang="es-MX" dirty="0"/>
+          </a:p>
+          <a:p>
+            <a:r>
+              <a:rPr lang="es-MX" dirty="0"/>
+              <a:t>Fuente de poder</a:t>
+            </a:r>
+            <a:r>
+              <a:rPr lang="es-MX" dirty="0" smtClean="0"/>
+              <a:t>.</a:t>
+            </a:r>
+          </a:p>
+          <a:p>
+            <a:r>
+              <a:rPr lang="es-MX" dirty="0" smtClean="0"/>
+              <a:t>Problemas de inicio del OS debido al hardware.</a:t>
+            </a:r>
+            <a:endParaRPr lang="es-MX" dirty="0"/>
+          </a:p>
+        </p:txBody>
+      </p:sp>
+    </p:spTree>
+    <p:extLst>
+      <p:ext uri="{BB962C8B-B14F-4D97-AF65-F5344CB8AC3E}">
+        <p14:creationId xmlns:p14="http://schemas.microsoft.com/office/powerpoint/2010/main" val="4106310690"/>
+      </p:ext>
+    </p:extLst>
+  </p:cSld>
+  <p:clrMapOvr>
+    <a:masterClrMapping/>
+  </p:clrMapOvr>
+  <p:timing>
+    <p:tnLst>
+      <p:par>
+        <p:cTn id="1" dur="indefinite" restart="never" nodeType="tmRoot"/>
+      </p:par>
+    </p:tnLst>
+  </p:timing>
+</p:sld>
+</file>
+
+<file path=ppt/slides/slide4.xml><?xml version="1.0" encoding="utf-8"?>
+<p:sld xmlns:a="http://schemas.openxmlformats.org/drawingml/2006/main" xmlns:r="http://schemas.openxmlformats.org/officeDocument/2006/relationships" xmlns:p="http://schemas.openxmlformats.org/presentationml/2006/main">
+  <p:cSld>
+    <p:spTree>
+      <p:nvGrpSpPr>
+        <p:cNvPr id="1" name=""/>
+        <p:cNvGrpSpPr/>
+        <p:nvPr/>
+      </p:nvGrpSpPr>
+      <p:grpSpPr>
+        <a:xfrm>
+          <a:off x="0" y="0"/>
+          <a:ext cx="0" cy="0"/>
+          <a:chOff x="0" y="0"/>
+          <a:chExt cx="0" cy="0"/>
+        </a:xfrm>
+      </p:grpSpPr>
+      <p:pic>
+        <p:nvPicPr>
+          <p:cNvPr id="5" name="Imagen 4"/>
+          <p:cNvPicPr>
+            <a:picLocks noChangeAspect="1"/>
+          </p:cNvPicPr>
+          <p:nvPr/>
+        </p:nvPicPr>
+        <p:blipFill>
+          <a:blip r:embed="rId2">
+            <a:extLst>
+              <a:ext uri="{28A0092B-C50C-407E-A947-70E740481C1C}">
+                <a14:useLocalDpi xmlns:a14="http://schemas.microsoft.com/office/drawing/2010/main" val="0"/>
+              </a:ext>
+            </a:extLst>
+          </a:blip>
+          <a:stretch>
+            <a:fillRect/>
+          </a:stretch>
+        </p:blipFill>
+        <p:spPr>
+          <a:xfrm>
+            <a:off x="476518" y="117965"/>
+            <a:ext cx="11296945" cy="13086813"/>
+          </a:xfrm>
+          <a:prstGeom prst="rect">
+            <a:avLst/>
+          </a:prstGeom>
+        </p:spPr>
+      </p:pic>
+    </p:spTree>
+    <p:extLst>
+      <p:ext uri="{BB962C8B-B14F-4D97-AF65-F5344CB8AC3E}">
+        <p14:creationId xmlns:p14="http://schemas.microsoft.com/office/powerpoint/2010/main" val="94305056"/>
+      </p:ext>
+    </p:extLst>
+  </p:cSld>
+  <p:clrMapOvr>
+    <a:masterClrMapping/>
+  </p:clrMapOvr>
+  <p:timing>
+    <p:tnLst>
+      <p:par>
+        <p:cTn id="1" dur="indefinite" restart="never" nodeType="tmRoot"/>
+      </p:par>
+    </p:tnLst>
+  </p:timing>
+</p:sld>
+</file>
+
+<file path=ppt/slides/slide5.xml><?xml version="1.0" encoding="utf-8"?>
+<p:sld xmlns:a="http://schemas.openxmlformats.org/drawingml/2006/main" xmlns:r="http://schemas.openxmlformats.org/officeDocument/2006/relationships" xmlns:p="http://schemas.openxmlformats.org/presentationml/2006/main">
+  <p:cSld>
+    <p:spTree>
+      <p:nvGrpSpPr>
+        <p:cNvPr id="1" name=""/>
+        <p:cNvGrpSpPr/>
+        <p:nvPr/>
+      </p:nvGrpSpPr>
+      <p:grpSpPr>
+        <a:xfrm>
+          <a:off x="0" y="0"/>
+          <a:ext cx="0" cy="0"/>
+          <a:chOff x="0" y="0"/>
+          <a:chExt cx="0" cy="0"/>
+        </a:xfrm>
+      </p:grpSpPr>
+      <p:pic>
+        <p:nvPicPr>
+          <p:cNvPr id="4" name="Imagen 3"/>
+          <p:cNvPicPr>
+            <a:picLocks noChangeAspect="1"/>
+          </p:cNvPicPr>
+          <p:nvPr/>
+        </p:nvPicPr>
+        <p:blipFill>
+          <a:blip r:embed="rId2">
+            <a:extLst>
+              <a:ext uri="{28A0092B-C50C-407E-A947-70E740481C1C}">
+                <a14:useLocalDpi xmlns:a14="http://schemas.microsoft.com/office/drawing/2010/main" val="0"/>
+              </a:ext>
+            </a:extLst>
+          </a:blip>
+          <a:stretch>
+            <a:fillRect/>
+          </a:stretch>
+        </p:blipFill>
+        <p:spPr>
+          <a:xfrm>
+            <a:off x="-1777284" y="-7208163"/>
+            <a:ext cx="12247809" cy="14188329"/>
+          </a:xfrm>
+          <a:prstGeom prst="rect">
+            <a:avLst/>
+          </a:prstGeom>
+        </p:spPr>
+      </p:pic>
+    </p:spTree>
+    <p:extLst>
+      <p:ext uri="{BB962C8B-B14F-4D97-AF65-F5344CB8AC3E}">
+        <p14:creationId xmlns:p14="http://schemas.microsoft.com/office/powerpoint/2010/main" val="1115926248"/>
+      </p:ext>
+    </p:extLst>
+  </p:cSld>
+  <p:clrMapOvr>
+    <a:masterClrMapping/>
+  </p:clrMapOvr>
+  <p:timing>
+    <p:tnLst>
+      <p:par>
+        <p:cTn id="1" dur="indefinite" restart="never" nodeType="tmRoot"/>
+      </p:par>
+    </p:tnLst>
+  </p:timing>
+</p:sld>
+</file>
+
+<file path=ppt/slides/slide6.xml><?xml version="1.0" encoding="utf-8"?>
+<p:sld xmlns:a="http://schemas.openxmlformats.org/drawingml/2006/main" xmlns:r="http://schemas.openxmlformats.org/officeDocument/2006/relationships" xmlns:p="http://schemas.openxmlformats.org/presentationml/2006/main">
+  <p:cSld>
+    <p:spTree>
+      <p:nvGrpSpPr>
+        <p:cNvPr id="1" name=""/>
+        <p:cNvGrpSpPr/>
+        <p:nvPr/>
+      </p:nvGrpSpPr>
+      <p:grpSpPr>
+        <a:xfrm>
+          <a:off x="0" y="0"/>
+          <a:ext cx="0" cy="0"/>
+          <a:chOff x="0" y="0"/>
+          <a:chExt cx="0" cy="0"/>
+        </a:xfrm>
+      </p:grpSpPr>
+      <p:sp>
+        <p:nvSpPr>
+          <p:cNvPr id="2" name="Título 1"/>
+          <p:cNvSpPr>
+            <a:spLocks noGrp="1"/>
+          </p:cNvSpPr>
+          <p:nvPr>
+            <p:ph type="title"/>
+          </p:nvPr>
+        </p:nvSpPr>
+        <p:spPr/>
+        <p:txBody>
+          <a:bodyPr/>
+          <a:lstStyle/>
+          <a:p>
+            <a:r>
+              <a:rPr lang="es-MX" dirty="0" smtClean="0"/>
+              <a:t>¿Cómo funciona?</a:t>
+            </a:r>
+            <a:endParaRPr lang="es-MX" dirty="0"/>
+          </a:p>
+        </p:txBody>
+      </p:sp>
+      <p:sp>
+        <p:nvSpPr>
+          <p:cNvPr id="3" name="Marcador de contenido 2"/>
+          <p:cNvSpPr>
+            <a:spLocks noGrp="1"/>
+          </p:cNvSpPr>
+          <p:nvPr>
+            <p:ph idx="1"/>
+          </p:nvPr>
+        </p:nvSpPr>
+        <p:spPr>
+          <a:xfrm>
+            <a:off x="240426" y="1421853"/>
+            <a:ext cx="8946541" cy="4195481"/>
+          </a:xfrm>
+        </p:spPr>
+        <p:txBody>
+          <a:bodyPr/>
+          <a:lstStyle/>
+          <a:p>
+            <a:r>
+              <a:rPr lang="es-MX" dirty="0" smtClean="0"/>
+              <a:t>Esta basado en el uso de reglas y una base de datos que coincide con el diagrama de flujo anterior. Al momento que el usuario comienza a interactuar con el sistema experto este va sacando las conclusiones de cual es el problema principal que esta experimentando la computadora del usuario.</a:t>
+            </a:r>
+          </a:p>
+          <a:p>
+            <a:endParaRPr lang="es-MX" dirty="0"/>
+          </a:p>
+          <a:p>
+            <a:r>
+              <a:rPr lang="es-MX" dirty="0" smtClean="0"/>
+              <a:t>También es posible que se de el caso de tener múltiples fallas, por lo que bastara ir solucionándolas una a una y volver a consultar con el sistema experto. Si bien un usuario común preferiría acudir con un técnico que le solucione el problema, este sistema experto podría ayudar a capacitar técnicos.</a:t>
+            </a:r>
+            <a:endParaRPr lang="es-MX" dirty="0"/>
+          </a:p>
+        </p:txBody>
+      </p:sp>
+      <p:pic>
+        <p:nvPicPr>
+          <p:cNvPr id="4" name="Imagen 3"/>
+          <p:cNvPicPr>
+            <a:picLocks noChangeAspect="1"/>
+          </p:cNvPicPr>
+          <p:nvPr/>
+        </p:nvPicPr>
+        <p:blipFill>
+          <a:blip r:embed="rId2"/>
+          <a:stretch>
+            <a:fillRect/>
+          </a:stretch>
+        </p:blipFill>
+        <p:spPr>
+          <a:xfrm>
+            <a:off x="8950817" y="4705436"/>
+            <a:ext cx="3052675" cy="2009821"/>
+          </a:xfrm>
+          <a:prstGeom prst="rect">
+            <a:avLst/>
+          </a:prstGeom>
+        </p:spPr>
+      </p:pic>
+    </p:spTree>
+    <p:extLst>
+      <p:ext uri="{BB962C8B-B14F-4D97-AF65-F5344CB8AC3E}">
+        <p14:creationId xmlns:p14="http://schemas.microsoft.com/office/powerpoint/2010/main" val="3920478791"/>
+      </p:ext>
+    </p:extLst>
+  </p:cSld>
+  <p:clrMapOvr>
+    <a:masterClrMapping/>
+  </p:clrMapOvr>
+  <p:timing>
+    <p:tnLst>
+      <p:par>
+        <p:cTn id="1" dur="indefinite" restart="never" nodeType="tmRoot"/>
+      </p:par>
+    </p:tnLst>
+  </p:timing>
+</p:sld>
+</file>
+
+<file path=ppt/slides/slide7.xml><?xml version="1.0" encoding="utf-8"?>
+<p:sld xmlns:a="http://schemas.openxmlformats.org/drawingml/2006/main" xmlns:r="http://schemas.openxmlformats.org/officeDocument/2006/relationships" xmlns:p="http://schemas.openxmlformats.org/presentationml/2006/main">
+  <p:cSld>
+    <p:spTree>
+      <p:nvGrpSpPr>
+        <p:cNvPr id="1" name=""/>
+        <p:cNvGrpSpPr/>
+        <p:nvPr/>
+      </p:nvGrpSpPr>
+      <p:grpSpPr>
+        <a:xfrm>
+          <a:off x="0" y="0"/>
+          <a:ext cx="0" cy="0"/>
+          <a:chOff x="0" y="0"/>
+          <a:chExt cx="0" cy="0"/>
+        </a:xfrm>
+      </p:grpSpPr>
+      <p:sp>
+        <p:nvSpPr>
+          <p:cNvPr id="4" name="Título 3"/>
+          <p:cNvSpPr>
+            <a:spLocks noGrp="1"/>
+          </p:cNvSpPr>
+          <p:nvPr>
+            <p:ph type="title"/>
+          </p:nvPr>
+        </p:nvSpPr>
+        <p:spPr>
+          <a:xfrm>
+            <a:off x="1039046" y="5293216"/>
+            <a:ext cx="8825657" cy="849324"/>
+          </a:xfrm>
+        </p:spPr>
+        <p:txBody>
+          <a:bodyPr/>
+          <a:lstStyle/>
+          <a:p>
+            <a:r>
+              <a:rPr lang="es-MX" dirty="0" smtClean="0"/>
+              <a:t>Gracias por su atención </a:t>
+            </a:r>
+            <a:r>
+              <a:rPr lang="es-MX" dirty="0" smtClean="0">
+                <a:sym typeface="Wingdings" panose="05000000000000000000" pitchFamily="2" charset="2"/>
+              </a:rPr>
+              <a:t></a:t>
+            </a:r>
+            <a:endParaRPr lang="es-MX" dirty="0"/>
+          </a:p>
+        </p:txBody>
+      </p:sp>
+      <p:pic>
+        <p:nvPicPr>
+          <p:cNvPr id="1028" name="Picture 4" descr="https://s-media-cache-ak0.pinimg.com/736x/23/37/3b/23373b3aa5b6f1f526659a9018c3b789.jpg"/>
+          <p:cNvPicPr>
+            <a:picLocks noChangeAspect="1" noChangeArrowheads="1"/>
+          </p:cNvPicPr>
+          <p:nvPr/>
+        </p:nvPicPr>
+        <p:blipFill>
+          <a:blip r:embed="rId2">
+            <a:extLst>
+              <a:ext uri="{28A0092B-C50C-407E-A947-70E740481C1C}">
+                <a14:useLocalDpi xmlns:a14="http://schemas.microsoft.com/office/drawing/2010/main" val="0"/>
+              </a:ext>
+            </a:extLst>
+          </a:blip>
+          <a:srcRect/>
+          <a:stretch>
+            <a:fillRect/>
+          </a:stretch>
+        </p:blipFill>
+        <p:spPr bwMode="auto">
+          <a:xfrm>
+            <a:off x="4895001" y="157819"/>
+            <a:ext cx="5330824" cy="5135397"/>
+          </a:xfrm>
+          <a:prstGeom prst="rect">
+            <a:avLst/>
+          </a:prstGeom>
+          <a:noFill/>
+          <a:extLst>
+            <a:ext uri="{909E8E84-426E-40DD-AFC4-6F175D3DCCD1}">
+              <a14:hiddenFill xmlns:a14="http://schemas.microsoft.com/office/drawing/2010/main">
+                <a:solidFill>
+                  <a:srgbClr val="FFFFFF"/>
+                </a:solidFill>
+              </a14:hiddenFill>
+            </a:ext>
+          </a:extLst>
+        </p:spPr>
+      </p:pic>
+    </p:spTree>
+    <p:extLst>
+      <p:ext uri="{BB962C8B-B14F-4D97-AF65-F5344CB8AC3E}">
+        <p14:creationId xmlns:p14="http://schemas.microsoft.com/office/powerpoint/2010/main" val="3415576197"/>
       </p:ext>
     </p:extLst>
   </p:cSld>

--- a/Presentacion expertos.pptx
+++ b/Presentacion expertos.pptx
@@ -6,12 +6,13 @@
   </p:sldMasterIdLst>
   <p:sldIdLst>
     <p:sldId id="256" r:id="rId2"/>
-    <p:sldId id="257" r:id="rId3"/>
-    <p:sldId id="258" r:id="rId4"/>
-    <p:sldId id="260" r:id="rId5"/>
-    <p:sldId id="261" r:id="rId6"/>
-    <p:sldId id="262" r:id="rId7"/>
-    <p:sldId id="263" r:id="rId8"/>
+    <p:sldId id="264" r:id="rId3"/>
+    <p:sldId id="257" r:id="rId4"/>
+    <p:sldId id="258" r:id="rId5"/>
+    <p:sldId id="260" r:id="rId6"/>
+    <p:sldId id="261" r:id="rId7"/>
+    <p:sldId id="262" r:id="rId8"/>
+    <p:sldId id="263" r:id="rId9"/>
   </p:sldIdLst>
   <p:sldSz cx="12192000" cy="6858000"/>
   <p:notesSz cx="6858000" cy="9144000"/>
@@ -110,6 +111,11 @@
       </a:defRPr>
     </a:lvl9pPr>
   </p:defaultTextStyle>
+  <p:extLst>
+    <p:ext uri="{EFAFB233-063F-42B5-8137-9DF3F51BA10A}">
+      <p15:sldGuideLst xmlns:p15="http://schemas.microsoft.com/office/powerpoint/2012/main"/>
+    </p:ext>
+  </p:extLst>
 </p:presentation>
 </file>
 
@@ -6132,6 +6138,152 @@
           <a:p>
             <a:r>
               <a:rPr lang="es-MX" dirty="0" smtClean="0"/>
+              <a:t>¿Problemática?</a:t>
+            </a:r>
+            <a:endParaRPr lang="es-MX" dirty="0"/>
+          </a:p>
+        </p:txBody>
+      </p:sp>
+      <p:sp>
+        <p:nvSpPr>
+          <p:cNvPr id="3" name="Marcador de contenido 2"/>
+          <p:cNvSpPr>
+            <a:spLocks noGrp="1"/>
+          </p:cNvSpPr>
+          <p:nvPr>
+            <p:ph idx="1"/>
+          </p:nvPr>
+        </p:nvSpPr>
+        <p:spPr>
+          <a:xfrm>
+            <a:off x="369216" y="1434732"/>
+            <a:ext cx="8946541" cy="4195481"/>
+          </a:xfrm>
+        </p:spPr>
+        <p:txBody>
+          <a:bodyPr>
+            <a:normAutofit lnSpcReduction="10000"/>
+          </a:bodyPr>
+          <a:lstStyle/>
+          <a:p>
+            <a:pPr algn="just"/>
+            <a:r>
+              <a:rPr lang="es-MX" dirty="0" smtClean="0"/>
+              <a:t>Muchas veces al intentar reparar un equipo de computo no tenemos idea de lo que provoca ciertos fallos y tenemos que recurrir a consultar sus síntomas para poder dar un diagnostico. Sin embargo esto puede ser tedioso, tardado y además no llevarnos a nada si no sabemos por donde empezar.</a:t>
+            </a:r>
+          </a:p>
+          <a:p>
+            <a:pPr algn="just"/>
+            <a:endParaRPr lang="es-MX" dirty="0"/>
+          </a:p>
+          <a:p>
+            <a:pPr algn="just"/>
+            <a:r>
+              <a:rPr lang="es-MX" dirty="0" smtClean="0"/>
+              <a:t>Por tal razón hemos decido crear un sistema experto que pueda asistir al usuario a diagnosticar y solucionar fallas en el hardware de su computadora mediante sencillas preguntas de si o no. </a:t>
+            </a:r>
+            <a:endParaRPr lang="es-MX" dirty="0"/>
+          </a:p>
+          <a:p>
+            <a:pPr algn="just"/>
+            <a:endParaRPr lang="es-MX" dirty="0" smtClean="0"/>
+          </a:p>
+          <a:p>
+            <a:pPr algn="just"/>
+            <a:r>
+              <a:rPr lang="es-MX" dirty="0" smtClean="0"/>
+              <a:t>Durante el desarrollo del proyecto usamos GitHub por lo que esta aplicación es open </a:t>
+            </a:r>
+            <a:r>
+              <a:rPr lang="es-MX" dirty="0" err="1" smtClean="0"/>
+              <a:t>source</a:t>
+            </a:r>
+            <a:r>
+              <a:rPr lang="es-MX" dirty="0" smtClean="0"/>
+              <a:t> y puedes contribuir a mejorarla y añadirle conocimiento. </a:t>
+            </a:r>
+            <a:endParaRPr lang="es-MX" dirty="0"/>
+          </a:p>
+        </p:txBody>
+      </p:sp>
+      <p:pic>
+        <p:nvPicPr>
+          <p:cNvPr id="4" name="Imagen 3"/>
+          <p:cNvPicPr>
+            <a:picLocks noChangeAspect="1"/>
+          </p:cNvPicPr>
+          <p:nvPr/>
+        </p:nvPicPr>
+        <p:blipFill>
+          <a:blip r:embed="rId2"/>
+          <a:stretch>
+            <a:fillRect/>
+          </a:stretch>
+        </p:blipFill>
+        <p:spPr>
+          <a:xfrm>
+            <a:off x="9315757" y="4958366"/>
+            <a:ext cx="2707630" cy="1782650"/>
+          </a:xfrm>
+          <a:prstGeom prst="rect">
+            <a:avLst/>
+          </a:prstGeom>
+        </p:spPr>
+      </p:pic>
+    </p:spTree>
+    <p:extLst>
+      <p:ext uri="{BB962C8B-B14F-4D97-AF65-F5344CB8AC3E}">
+        <p14:creationId xmlns:p14="http://schemas.microsoft.com/office/powerpoint/2010/main" val="939744865"/>
+      </p:ext>
+    </p:extLst>
+  </p:cSld>
+  <p:clrMapOvr>
+    <a:masterClrMapping/>
+  </p:clrMapOvr>
+  <p:timing>
+    <p:tnLst>
+      <p:par>
+        <p:cTn id="1" dur="indefinite" restart="never" nodeType="tmRoot"/>
+      </p:par>
+    </p:tnLst>
+  </p:timing>
+</p:sld>
+</file>
+
+<file path=ppt/slides/slide3.xml><?xml version="1.0" encoding="utf-8"?>
+<p:sld xmlns:a="http://schemas.openxmlformats.org/drawingml/2006/main" xmlns:r="http://schemas.openxmlformats.org/officeDocument/2006/relationships" xmlns:p="http://schemas.openxmlformats.org/presentationml/2006/main">
+  <p:cSld>
+    <p:spTree>
+      <p:nvGrpSpPr>
+        <p:cNvPr id="1" name=""/>
+        <p:cNvGrpSpPr/>
+        <p:nvPr/>
+      </p:nvGrpSpPr>
+      <p:grpSpPr>
+        <a:xfrm>
+          <a:off x="0" y="0"/>
+          <a:ext cx="0" cy="0"/>
+          <a:chOff x="0" y="0"/>
+          <a:chExt cx="0" cy="0"/>
+        </a:xfrm>
+      </p:grpSpPr>
+      <p:sp>
+        <p:nvSpPr>
+          <p:cNvPr id="2" name="Título 1"/>
+          <p:cNvSpPr>
+            <a:spLocks noGrp="1"/>
+          </p:cNvSpPr>
+          <p:nvPr>
+            <p:ph type="title"/>
+          </p:nvPr>
+        </p:nvSpPr>
+        <p:spPr/>
+        <p:txBody>
+          <a:bodyPr/>
+          <a:lstStyle/>
+          <a:p>
+            <a:r>
+              <a:rPr lang="es-MX" dirty="0" smtClean="0"/>
               <a:t>¿Para que sirve?</a:t>
             </a:r>
             <a:endParaRPr lang="es-MX" dirty="0"/>
@@ -6158,15 +6310,18 @@
           <a:bodyPr/>
           <a:lstStyle/>
           <a:p>
+            <a:pPr algn="just"/>
             <a:r>
               <a:rPr lang="es-MX" dirty="0" smtClean="0"/>
               <a:t>El sistema experto le preguntara sobre varios síntomas relacionados con la falla que esta experimentado el equipo del usuario.  Y en base a la información obtenida le hará sugerencias sobre cual puede ser el problema y que puede intentar para solucionarlo. </a:t>
             </a:r>
           </a:p>
           <a:p>
+            <a:pPr algn="just"/>
             <a:endParaRPr lang="es-MX" dirty="0"/>
           </a:p>
           <a:p>
+            <a:pPr algn="just"/>
             <a:r>
               <a:rPr lang="es-MX" dirty="0" smtClean="0"/>
               <a:t>El sistema experto solo asiste en la resolución de problemas de hardware en el quipo. Sin embargo, es muy útil para usuarios que no tienen mucha experiencia reparando computadoras y que desean aprender a hacerlo por su propia cuenta.</a:t>
@@ -6235,7 +6390,7 @@
 </p:sld>
 </file>
 
-<file path=ppt/slides/slide3.xml><?xml version="1.0" encoding="utf-8"?>
+<file path=ppt/slides/slide4.xml><?xml version="1.0" encoding="utf-8"?>
 <p:sld xmlns:a="http://schemas.openxmlformats.org/drawingml/2006/main" xmlns:r="http://schemas.openxmlformats.org/officeDocument/2006/relationships" xmlns:p="http://schemas.openxmlformats.org/presentationml/2006/main">
   <p:cSld>
     <p:spTree>
@@ -6292,6 +6447,7 @@
           </a:bodyPr>
           <a:lstStyle/>
           <a:p>
+            <a:pPr algn="just"/>
             <a:r>
               <a:rPr lang="es-MX" dirty="0" smtClean="0"/>
               <a:t>Como ya habíamos mencionado anteriormente solo trata fallas de hardware, dentro de las cuales están incluidas:</a:t>
@@ -6367,7 +6523,7 @@
 </p:sld>
 </file>
 
-<file path=ppt/slides/slide4.xml><?xml version="1.0" encoding="utf-8"?>
+<file path=ppt/slides/slide5.xml><?xml version="1.0" encoding="utf-8"?>
 <p:sld xmlns:a="http://schemas.openxmlformats.org/drawingml/2006/main" xmlns:r="http://schemas.openxmlformats.org/officeDocument/2006/relationships" xmlns:p="http://schemas.openxmlformats.org/presentationml/2006/main">
   <p:cSld>
     <p:spTree>
@@ -6434,7 +6590,7 @@
 </p:sld>
 </file>
 
-<file path=ppt/slides/slide5.xml><?xml version="1.0" encoding="utf-8"?>
+<file path=ppt/slides/slide6.xml><?xml version="1.0" encoding="utf-8"?>
 <p:sld xmlns:a="http://schemas.openxmlformats.org/drawingml/2006/main" xmlns:r="http://schemas.openxmlformats.org/officeDocument/2006/relationships" xmlns:p="http://schemas.openxmlformats.org/presentationml/2006/main">
   <p:cSld>
     <p:spTree>
@@ -6501,7 +6657,7 @@
 </p:sld>
 </file>
 
-<file path=ppt/slides/slide6.xml><?xml version="1.0" encoding="utf-8"?>
+<file path=ppt/slides/slide7.xml><?xml version="1.0" encoding="utf-8"?>
 <p:sld xmlns:a="http://schemas.openxmlformats.org/drawingml/2006/main" xmlns:r="http://schemas.openxmlformats.org/officeDocument/2006/relationships" xmlns:p="http://schemas.openxmlformats.org/presentationml/2006/main">
   <p:cSld>
     <p:spTree>
@@ -6561,15 +6717,18 @@
           <a:bodyPr/>
           <a:lstStyle/>
           <a:p>
+            <a:pPr algn="just"/>
             <a:r>
               <a:rPr lang="es-MX" dirty="0" smtClean="0"/>
               <a:t>Esta basado en el uso de reglas y una base de datos que coincide con el diagrama de flujo anterior. Al momento que el usuario comienza a interactuar con el sistema experto este va sacando las conclusiones de cual es el problema principal que esta experimentando la computadora del usuario.</a:t>
             </a:r>
           </a:p>
           <a:p>
+            <a:pPr algn="just"/>
             <a:endParaRPr lang="es-MX" dirty="0"/>
           </a:p>
           <a:p>
+            <a:pPr algn="just"/>
             <a:r>
               <a:rPr lang="es-MX" dirty="0" smtClean="0"/>
               <a:t>También es posible que se de el caso de tener múltiples fallas, por lo que bastara ir solucionándolas una a una y volver a consultar con el sistema experto. Si bien un usuario común preferiría acudir con un técnico que le solucione el problema, este sistema experto podría ayudar a capacitar técnicos.</a:t>
@@ -6580,26 +6739,43 @@
       </p:sp>
       <p:pic>
         <p:nvPicPr>
-          <p:cNvPr id="4" name="Imagen 3"/>
+          <p:cNvPr id="1026" name="Picture 2" descr="http://pulidoweb.com/wp-content/uploads/2014/10/1.jpg"/>
           <p:cNvPicPr>
-            <a:picLocks noChangeAspect="1"/>
+            <a:picLocks noChangeAspect="1" noChangeArrowheads="1"/>
           </p:cNvPicPr>
           <p:nvPr/>
         </p:nvPicPr>
         <p:blipFill>
-          <a:blip r:embed="rId2"/>
+          <a:blip r:embed="rId2">
+            <a:extLst>
+              <a:ext uri="{28A0092B-C50C-407E-A947-70E740481C1C}">
+                <a14:useLocalDpi xmlns:a14="http://schemas.microsoft.com/office/drawing/2010/main" val="0"/>
+              </a:ext>
+            </a:extLst>
+          </a:blip>
+          <a:srcRect/>
           <a:stretch>
             <a:fillRect/>
           </a:stretch>
         </p:blipFill>
-        <p:spPr>
+        <p:spPr bwMode="auto">
           <a:xfrm>
-            <a:off x="8950817" y="4705436"/>
-            <a:ext cx="3052675" cy="2009821"/>
+            <a:off x="9186967" y="4277466"/>
+            <a:ext cx="2776648" cy="2309003"/>
           </a:xfrm>
           <a:prstGeom prst="rect">
             <a:avLst/>
           </a:prstGeom>
+          <a:noFill/>
+          <a:extLst>
+            <a:ext uri="{909E8E84-426E-40DD-AFC4-6F175D3DCCD1}">
+              <a14:hiddenFill xmlns:a14="http://schemas.microsoft.com/office/drawing/2010/main">
+                <a:solidFill>
+                  <a:srgbClr val="FFFFFF"/>
+                </a:solidFill>
+              </a14:hiddenFill>
+            </a:ext>
+          </a:extLst>
         </p:spPr>
       </p:pic>
     </p:spTree>
@@ -6622,7 +6798,7 @@
 </p:sld>
 </file>
 
-<file path=ppt/slides/slide7.xml><?xml version="1.0" encoding="utf-8"?>
+<file path=ppt/slides/slide8.xml><?xml version="1.0" encoding="utf-8"?>
 <p:sld xmlns:a="http://schemas.openxmlformats.org/drawingml/2006/main" xmlns:r="http://schemas.openxmlformats.org/officeDocument/2006/relationships" xmlns:p="http://schemas.openxmlformats.org/presentationml/2006/main">
   <p:cSld>
     <p:spTree>
